--- a/Music Generation Using LSTM.pptx
+++ b/Music Generation Using LSTM.pptx
@@ -10362,21 +10362,32 @@
         </p:nvSpPr>
         <p:spPr>
           <a:xfrm>
-            <a:off x="541584" y="2425212"/>
-            <a:ext cx="2606389" cy="2294793"/>
+            <a:off x="541585" y="2425213"/>
+            <a:ext cx="2131278" cy="363416"/>
           </a:xfrm>
         </p:spPr>
         <p:txBody>
           <a:bodyPr>
-            <a:normAutofit/>
+            <a:normAutofit lnSpcReduction="10000"/>
           </a:bodyPr>
           <a:lstStyle/>
           <a:p>
             <a:r>
               <a:rPr lang="en-US" dirty="0" smtClean="0"/>
-              <a:t>Generated Music 1	</a:t>
+              <a:t>Original File</a:t>
             </a:r>
+          </a:p>
+          <a:p>
+            <a:endParaRPr lang="en-US" dirty="0" smtClean="0"/>
+          </a:p>
+          <a:p>
             <a:endParaRPr lang="en-US" dirty="0"/>
+          </a:p>
+          <a:p>
+            <a:endParaRPr lang="en-US" dirty="0" smtClean="0"/>
+          </a:p>
+          <a:p>
+            <a:endParaRPr lang="en-US" dirty="0" smtClean="0"/>
           </a:p>
         </p:txBody>
       </p:sp>
@@ -10404,13 +10415,13 @@
           <a:p>
             <a:r>
               <a:rPr lang="en-US" b="1" dirty="0">
-                <a:hlinkClick r:id="rId4"/>
+                <a:hlinkClick r:id="rId8"/>
               </a:rPr>
               <a:t>http://musicgeneration.herokuapp.com</a:t>
             </a:r>
             <a:r>
               <a:rPr lang="en-US" b="1" dirty="0" smtClean="0">
-                <a:hlinkClick r:id="rId4"/>
+                <a:hlinkClick r:id="rId8"/>
               </a:rPr>
               <a:t>/</a:t>
             </a:r>
@@ -10439,14 +10450,14 @@
           </p:nvPr>
         </p:nvPicPr>
         <p:blipFill>
-          <a:blip r:embed="rId5"/>
+          <a:blip r:embed="rId9"/>
           <a:stretch>
             <a:fillRect/>
           </a:stretch>
         </p:blipFill>
         <p:spPr>
           <a:xfrm>
-            <a:off x="4126154" y="2292843"/>
+            <a:off x="3032372" y="5155224"/>
             <a:ext cx="609600" cy="609600"/>
           </a:xfrm>
           <a:prstGeom prst="rect">
@@ -10454,6 +10465,590 @@
           </a:prstGeom>
         </p:spPr>
       </p:pic>
+      <p:pic>
+        <p:nvPicPr>
+          <p:cNvPr id="3" name="elsieOP (1)">
+            <a:hlinkClick r:id="" action="ppaction://media"/>
+          </p:cNvPr>
+          <p:cNvPicPr>
+            <a:picLocks noChangeAspect="1"/>
+          </p:cNvPicPr>
+          <p:nvPr>
+            <a:audioFile r:link="rId4"/>
+            <p:extLst>
+              <p:ext uri="{DAA4B4D4-6D71-4841-9C94-3DE7FCFB9230}">
+                <p14:media xmlns:p14="http://schemas.microsoft.com/office/powerpoint/2010/main" r:embed="rId3"/>
+              </p:ext>
+            </p:extLst>
+          </p:nvPr>
+        </p:nvPicPr>
+        <p:blipFill>
+          <a:blip r:embed="rId9"/>
+          <a:stretch>
+            <a:fillRect/>
+          </a:stretch>
+        </p:blipFill>
+        <p:spPr>
+          <a:xfrm>
+            <a:off x="3032372" y="3703029"/>
+            <a:ext cx="609600" cy="609600"/>
+          </a:xfrm>
+          <a:prstGeom prst="rect">
+            <a:avLst/>
+          </a:prstGeom>
+        </p:spPr>
+      </p:pic>
+      <p:pic>
+        <p:nvPicPr>
+          <p:cNvPr id="7" name="elise">
+            <a:hlinkClick r:id="" action="ppaction://media"/>
+          </p:cNvPr>
+          <p:cNvPicPr>
+            <a:picLocks noChangeAspect="1"/>
+          </p:cNvPicPr>
+          <p:nvPr>
+            <a:audioFile r:link="rId6"/>
+            <p:extLst>
+              <p:ext uri="{DAA4B4D4-6D71-4841-9C94-3DE7FCFB9230}">
+                <p14:media xmlns:p14="http://schemas.microsoft.com/office/powerpoint/2010/main" r:embed="rId5"/>
+              </p:ext>
+            </p:extLst>
+          </p:nvPr>
+        </p:nvPicPr>
+        <p:blipFill>
+          <a:blip r:embed="rId9"/>
+          <a:stretch>
+            <a:fillRect/>
+          </a:stretch>
+        </p:blipFill>
+        <p:spPr>
+          <a:xfrm>
+            <a:off x="3032372" y="2292843"/>
+            <a:ext cx="609600" cy="609600"/>
+          </a:xfrm>
+          <a:prstGeom prst="rect">
+            <a:avLst/>
+          </a:prstGeom>
+        </p:spPr>
+      </p:pic>
+      <p:sp>
+        <p:nvSpPr>
+          <p:cNvPr id="9" name="Content Placeholder 3"/>
+          <p:cNvSpPr txBox="1">
+            <a:spLocks/>
+          </p:cNvSpPr>
+          <p:nvPr/>
+        </p:nvSpPr>
+        <p:spPr>
+          <a:xfrm>
+            <a:off x="576426" y="3826121"/>
+            <a:ext cx="2131278" cy="363416"/>
+          </a:xfrm>
+          <a:prstGeom prst="rect">
+            <a:avLst/>
+          </a:prstGeom>
+        </p:spPr>
+        <p:txBody>
+          <a:bodyPr vert="horz" lIns="91440" tIns="45720" rIns="91440" bIns="45720" rtlCol="0">
+            <a:normAutofit fontScale="85000" lnSpcReduction="10000"/>
+          </a:bodyPr>
+          <a:lstStyle>
+            <a:lvl1pPr marL="342900" indent="-342900" algn="l" defTabSz="457200" rtl="0" eaLnBrk="1" latinLnBrk="0" hangingPunct="1">
+              <a:spcBef>
+                <a:spcPts val="1000"/>
+              </a:spcBef>
+              <a:spcAft>
+                <a:spcPts val="0"/>
+              </a:spcAft>
+              <a:buClr>
+                <a:schemeClr val="accent1"/>
+              </a:buClr>
+              <a:buSzPct val="80000"/>
+              <a:buFont typeface="Wingdings 3" charset="2"/>
+              <a:buChar char=""/>
+              <a:defRPr sz="1800" kern="1200">
+                <a:solidFill>
+                  <a:schemeClr val="tx1">
+                    <a:lumMod val="75000"/>
+                    <a:lumOff val="25000"/>
+                  </a:schemeClr>
+                </a:solidFill>
+                <a:latin typeface="+mn-lt"/>
+                <a:ea typeface="+mn-ea"/>
+                <a:cs typeface="+mn-cs"/>
+              </a:defRPr>
+            </a:lvl1pPr>
+            <a:lvl2pPr marL="742950" indent="-285750" algn="l" defTabSz="457200" rtl="0" eaLnBrk="1" latinLnBrk="0" hangingPunct="1">
+              <a:spcBef>
+                <a:spcPts val="1000"/>
+              </a:spcBef>
+              <a:spcAft>
+                <a:spcPts val="0"/>
+              </a:spcAft>
+              <a:buClr>
+                <a:schemeClr val="accent1"/>
+              </a:buClr>
+              <a:buSzPct val="80000"/>
+              <a:buFont typeface="Wingdings 3" charset="2"/>
+              <a:buChar char=""/>
+              <a:defRPr sz="1600" kern="1200">
+                <a:solidFill>
+                  <a:schemeClr val="tx1">
+                    <a:lumMod val="75000"/>
+                    <a:lumOff val="25000"/>
+                  </a:schemeClr>
+                </a:solidFill>
+                <a:latin typeface="+mn-lt"/>
+                <a:ea typeface="+mn-ea"/>
+                <a:cs typeface="+mn-cs"/>
+              </a:defRPr>
+            </a:lvl2pPr>
+            <a:lvl3pPr marL="1143000" indent="-228600" algn="l" defTabSz="457200" rtl="0" eaLnBrk="1" latinLnBrk="0" hangingPunct="1">
+              <a:spcBef>
+                <a:spcPts val="1000"/>
+              </a:spcBef>
+              <a:spcAft>
+                <a:spcPts val="0"/>
+              </a:spcAft>
+              <a:buClr>
+                <a:schemeClr val="accent1"/>
+              </a:buClr>
+              <a:buSzPct val="80000"/>
+              <a:buFont typeface="Wingdings 3" charset="2"/>
+              <a:buChar char=""/>
+              <a:defRPr sz="1400" kern="1200">
+                <a:solidFill>
+                  <a:schemeClr val="tx1">
+                    <a:lumMod val="75000"/>
+                    <a:lumOff val="25000"/>
+                  </a:schemeClr>
+                </a:solidFill>
+                <a:latin typeface="+mn-lt"/>
+                <a:ea typeface="+mn-ea"/>
+                <a:cs typeface="+mn-cs"/>
+              </a:defRPr>
+            </a:lvl3pPr>
+            <a:lvl4pPr marL="1600200" indent="-228600" algn="l" defTabSz="457200" rtl="0" eaLnBrk="1" latinLnBrk="0" hangingPunct="1">
+              <a:spcBef>
+                <a:spcPts val="1000"/>
+              </a:spcBef>
+              <a:spcAft>
+                <a:spcPts val="0"/>
+              </a:spcAft>
+              <a:buClr>
+                <a:schemeClr val="accent1"/>
+              </a:buClr>
+              <a:buSzPct val="80000"/>
+              <a:buFont typeface="Wingdings 3" charset="2"/>
+              <a:buChar char=""/>
+              <a:defRPr sz="1200" kern="1200">
+                <a:solidFill>
+                  <a:schemeClr val="tx1">
+                    <a:lumMod val="75000"/>
+                    <a:lumOff val="25000"/>
+                  </a:schemeClr>
+                </a:solidFill>
+                <a:latin typeface="+mn-lt"/>
+                <a:ea typeface="+mn-ea"/>
+                <a:cs typeface="+mn-cs"/>
+              </a:defRPr>
+            </a:lvl4pPr>
+            <a:lvl5pPr marL="2057400" indent="-228600" algn="l" defTabSz="457200" rtl="0" eaLnBrk="1" latinLnBrk="0" hangingPunct="1">
+              <a:spcBef>
+                <a:spcPts val="1000"/>
+              </a:spcBef>
+              <a:spcAft>
+                <a:spcPts val="0"/>
+              </a:spcAft>
+              <a:buClr>
+                <a:schemeClr val="accent1"/>
+              </a:buClr>
+              <a:buSzPct val="80000"/>
+              <a:buFont typeface="Wingdings 3" charset="2"/>
+              <a:buChar char=""/>
+              <a:defRPr sz="1200" kern="1200">
+                <a:solidFill>
+                  <a:schemeClr val="tx1">
+                    <a:lumMod val="75000"/>
+                    <a:lumOff val="25000"/>
+                  </a:schemeClr>
+                </a:solidFill>
+                <a:latin typeface="+mn-lt"/>
+                <a:ea typeface="+mn-ea"/>
+                <a:cs typeface="+mn-cs"/>
+              </a:defRPr>
+            </a:lvl5pPr>
+            <a:lvl6pPr marL="2514600" indent="-228600" algn="l" defTabSz="457200" rtl="0" eaLnBrk="1" latinLnBrk="0" hangingPunct="1">
+              <a:spcBef>
+                <a:spcPts val="1000"/>
+              </a:spcBef>
+              <a:spcAft>
+                <a:spcPts val="0"/>
+              </a:spcAft>
+              <a:buClr>
+                <a:schemeClr val="accent1"/>
+              </a:buClr>
+              <a:buSzPct val="80000"/>
+              <a:buFont typeface="Wingdings 3" charset="2"/>
+              <a:buChar char=""/>
+              <a:defRPr sz="1200" kern="1200">
+                <a:solidFill>
+                  <a:schemeClr val="tx1">
+                    <a:lumMod val="75000"/>
+                    <a:lumOff val="25000"/>
+                  </a:schemeClr>
+                </a:solidFill>
+                <a:latin typeface="+mn-lt"/>
+                <a:ea typeface="+mn-ea"/>
+                <a:cs typeface="+mn-cs"/>
+              </a:defRPr>
+            </a:lvl6pPr>
+            <a:lvl7pPr marL="2971800" indent="-228600" algn="l" defTabSz="457200" rtl="0" eaLnBrk="1" latinLnBrk="0" hangingPunct="1">
+              <a:spcBef>
+                <a:spcPts val="1000"/>
+              </a:spcBef>
+              <a:spcAft>
+                <a:spcPts val="0"/>
+              </a:spcAft>
+              <a:buClr>
+                <a:schemeClr val="accent1"/>
+              </a:buClr>
+              <a:buSzPct val="80000"/>
+              <a:buFont typeface="Wingdings 3" charset="2"/>
+              <a:buChar char=""/>
+              <a:defRPr sz="1200" kern="1200">
+                <a:solidFill>
+                  <a:schemeClr val="tx1">
+                    <a:lumMod val="75000"/>
+                    <a:lumOff val="25000"/>
+                  </a:schemeClr>
+                </a:solidFill>
+                <a:latin typeface="+mn-lt"/>
+                <a:ea typeface="+mn-ea"/>
+                <a:cs typeface="+mn-cs"/>
+              </a:defRPr>
+            </a:lvl7pPr>
+            <a:lvl8pPr marL="3429000" indent="-228600" algn="l" defTabSz="457200" rtl="0" eaLnBrk="1" latinLnBrk="0" hangingPunct="1">
+              <a:spcBef>
+                <a:spcPts val="1000"/>
+              </a:spcBef>
+              <a:spcAft>
+                <a:spcPts val="0"/>
+              </a:spcAft>
+              <a:buClr>
+                <a:schemeClr val="accent1"/>
+              </a:buClr>
+              <a:buSzPct val="80000"/>
+              <a:buFont typeface="Wingdings 3" charset="2"/>
+              <a:buChar char=""/>
+              <a:defRPr sz="1200" kern="1200">
+                <a:solidFill>
+                  <a:schemeClr val="tx1">
+                    <a:lumMod val="75000"/>
+                    <a:lumOff val="25000"/>
+                  </a:schemeClr>
+                </a:solidFill>
+                <a:latin typeface="+mn-lt"/>
+                <a:ea typeface="+mn-ea"/>
+                <a:cs typeface="+mn-cs"/>
+              </a:defRPr>
+            </a:lvl8pPr>
+            <a:lvl9pPr marL="3886200" indent="-228600" algn="l" defTabSz="457200" rtl="0" eaLnBrk="1" latinLnBrk="0" hangingPunct="1">
+              <a:spcBef>
+                <a:spcPts val="1000"/>
+              </a:spcBef>
+              <a:spcAft>
+                <a:spcPts val="0"/>
+              </a:spcAft>
+              <a:buClr>
+                <a:schemeClr val="accent1"/>
+              </a:buClr>
+              <a:buSzPct val="80000"/>
+              <a:buFont typeface="Wingdings 3" charset="2"/>
+              <a:buChar char=""/>
+              <a:defRPr sz="1200" kern="1200">
+                <a:solidFill>
+                  <a:schemeClr val="tx1">
+                    <a:lumMod val="75000"/>
+                    <a:lumOff val="25000"/>
+                  </a:schemeClr>
+                </a:solidFill>
+                <a:latin typeface="+mn-lt"/>
+                <a:ea typeface="+mn-ea"/>
+                <a:cs typeface="+mn-cs"/>
+              </a:defRPr>
+            </a:lvl9pPr>
+          </a:lstStyle>
+          <a:p>
+            <a:r>
+              <a:rPr lang="en-US" dirty="0" smtClean="0"/>
+              <a:t>Replicated Music</a:t>
+            </a:r>
+          </a:p>
+          <a:p>
+            <a:endParaRPr lang="en-US" dirty="0" smtClean="0"/>
+          </a:p>
+        </p:txBody>
+      </p:sp>
+      <p:sp>
+        <p:nvSpPr>
+          <p:cNvPr id="10" name="Content Placeholder 3"/>
+          <p:cNvSpPr txBox="1">
+            <a:spLocks/>
+          </p:cNvSpPr>
+          <p:nvPr/>
+        </p:nvSpPr>
+        <p:spPr>
+          <a:xfrm>
+            <a:off x="576426" y="5213842"/>
+            <a:ext cx="2272282" cy="492365"/>
+          </a:xfrm>
+          <a:prstGeom prst="rect">
+            <a:avLst/>
+          </a:prstGeom>
+        </p:spPr>
+        <p:txBody>
+          <a:bodyPr vert="horz" lIns="91440" tIns="45720" rIns="91440" bIns="45720" rtlCol="0">
+            <a:normAutofit fontScale="85000" lnSpcReduction="20000"/>
+          </a:bodyPr>
+          <a:lstStyle>
+            <a:lvl1pPr marL="342900" indent="-342900" algn="l" defTabSz="457200" rtl="0" eaLnBrk="1" latinLnBrk="0" hangingPunct="1">
+              <a:spcBef>
+                <a:spcPts val="1000"/>
+              </a:spcBef>
+              <a:spcAft>
+                <a:spcPts val="0"/>
+              </a:spcAft>
+              <a:buClr>
+                <a:schemeClr val="accent1"/>
+              </a:buClr>
+              <a:buSzPct val="80000"/>
+              <a:buFont typeface="Wingdings 3" charset="2"/>
+              <a:buChar char=""/>
+              <a:defRPr sz="1800" kern="1200">
+                <a:solidFill>
+                  <a:schemeClr val="tx1">
+                    <a:lumMod val="75000"/>
+                    <a:lumOff val="25000"/>
+                  </a:schemeClr>
+                </a:solidFill>
+                <a:latin typeface="+mn-lt"/>
+                <a:ea typeface="+mn-ea"/>
+                <a:cs typeface="+mn-cs"/>
+              </a:defRPr>
+            </a:lvl1pPr>
+            <a:lvl2pPr marL="742950" indent="-285750" algn="l" defTabSz="457200" rtl="0" eaLnBrk="1" latinLnBrk="0" hangingPunct="1">
+              <a:spcBef>
+                <a:spcPts val="1000"/>
+              </a:spcBef>
+              <a:spcAft>
+                <a:spcPts val="0"/>
+              </a:spcAft>
+              <a:buClr>
+                <a:schemeClr val="accent1"/>
+              </a:buClr>
+              <a:buSzPct val="80000"/>
+              <a:buFont typeface="Wingdings 3" charset="2"/>
+              <a:buChar char=""/>
+              <a:defRPr sz="1600" kern="1200">
+                <a:solidFill>
+                  <a:schemeClr val="tx1">
+                    <a:lumMod val="75000"/>
+                    <a:lumOff val="25000"/>
+                  </a:schemeClr>
+                </a:solidFill>
+                <a:latin typeface="+mn-lt"/>
+                <a:ea typeface="+mn-ea"/>
+                <a:cs typeface="+mn-cs"/>
+              </a:defRPr>
+            </a:lvl2pPr>
+            <a:lvl3pPr marL="1143000" indent="-228600" algn="l" defTabSz="457200" rtl="0" eaLnBrk="1" latinLnBrk="0" hangingPunct="1">
+              <a:spcBef>
+                <a:spcPts val="1000"/>
+              </a:spcBef>
+              <a:spcAft>
+                <a:spcPts val="0"/>
+              </a:spcAft>
+              <a:buClr>
+                <a:schemeClr val="accent1"/>
+              </a:buClr>
+              <a:buSzPct val="80000"/>
+              <a:buFont typeface="Wingdings 3" charset="2"/>
+              <a:buChar char=""/>
+              <a:defRPr sz="1400" kern="1200">
+                <a:solidFill>
+                  <a:schemeClr val="tx1">
+                    <a:lumMod val="75000"/>
+                    <a:lumOff val="25000"/>
+                  </a:schemeClr>
+                </a:solidFill>
+                <a:latin typeface="+mn-lt"/>
+                <a:ea typeface="+mn-ea"/>
+                <a:cs typeface="+mn-cs"/>
+              </a:defRPr>
+            </a:lvl3pPr>
+            <a:lvl4pPr marL="1600200" indent="-228600" algn="l" defTabSz="457200" rtl="0" eaLnBrk="1" latinLnBrk="0" hangingPunct="1">
+              <a:spcBef>
+                <a:spcPts val="1000"/>
+              </a:spcBef>
+              <a:spcAft>
+                <a:spcPts val="0"/>
+              </a:spcAft>
+              <a:buClr>
+                <a:schemeClr val="accent1"/>
+              </a:buClr>
+              <a:buSzPct val="80000"/>
+              <a:buFont typeface="Wingdings 3" charset="2"/>
+              <a:buChar char=""/>
+              <a:defRPr sz="1200" kern="1200">
+                <a:solidFill>
+                  <a:schemeClr val="tx1">
+                    <a:lumMod val="75000"/>
+                    <a:lumOff val="25000"/>
+                  </a:schemeClr>
+                </a:solidFill>
+                <a:latin typeface="+mn-lt"/>
+                <a:ea typeface="+mn-ea"/>
+                <a:cs typeface="+mn-cs"/>
+              </a:defRPr>
+            </a:lvl4pPr>
+            <a:lvl5pPr marL="2057400" indent="-228600" algn="l" defTabSz="457200" rtl="0" eaLnBrk="1" latinLnBrk="0" hangingPunct="1">
+              <a:spcBef>
+                <a:spcPts val="1000"/>
+              </a:spcBef>
+              <a:spcAft>
+                <a:spcPts val="0"/>
+              </a:spcAft>
+              <a:buClr>
+                <a:schemeClr val="accent1"/>
+              </a:buClr>
+              <a:buSzPct val="80000"/>
+              <a:buFont typeface="Wingdings 3" charset="2"/>
+              <a:buChar char=""/>
+              <a:defRPr sz="1200" kern="1200">
+                <a:solidFill>
+                  <a:schemeClr val="tx1">
+                    <a:lumMod val="75000"/>
+                    <a:lumOff val="25000"/>
+                  </a:schemeClr>
+                </a:solidFill>
+                <a:latin typeface="+mn-lt"/>
+                <a:ea typeface="+mn-ea"/>
+                <a:cs typeface="+mn-cs"/>
+              </a:defRPr>
+            </a:lvl5pPr>
+            <a:lvl6pPr marL="2514600" indent="-228600" algn="l" defTabSz="457200" rtl="0" eaLnBrk="1" latinLnBrk="0" hangingPunct="1">
+              <a:spcBef>
+                <a:spcPts val="1000"/>
+              </a:spcBef>
+              <a:spcAft>
+                <a:spcPts val="0"/>
+              </a:spcAft>
+              <a:buClr>
+                <a:schemeClr val="accent1"/>
+              </a:buClr>
+              <a:buSzPct val="80000"/>
+              <a:buFont typeface="Wingdings 3" charset="2"/>
+              <a:buChar char=""/>
+              <a:defRPr sz="1200" kern="1200">
+                <a:solidFill>
+                  <a:schemeClr val="tx1">
+                    <a:lumMod val="75000"/>
+                    <a:lumOff val="25000"/>
+                  </a:schemeClr>
+                </a:solidFill>
+                <a:latin typeface="+mn-lt"/>
+                <a:ea typeface="+mn-ea"/>
+                <a:cs typeface="+mn-cs"/>
+              </a:defRPr>
+            </a:lvl6pPr>
+            <a:lvl7pPr marL="2971800" indent="-228600" algn="l" defTabSz="457200" rtl="0" eaLnBrk="1" latinLnBrk="0" hangingPunct="1">
+              <a:spcBef>
+                <a:spcPts val="1000"/>
+              </a:spcBef>
+              <a:spcAft>
+                <a:spcPts val="0"/>
+              </a:spcAft>
+              <a:buClr>
+                <a:schemeClr val="accent1"/>
+              </a:buClr>
+              <a:buSzPct val="80000"/>
+              <a:buFont typeface="Wingdings 3" charset="2"/>
+              <a:buChar char=""/>
+              <a:defRPr sz="1200" kern="1200">
+                <a:solidFill>
+                  <a:schemeClr val="tx1">
+                    <a:lumMod val="75000"/>
+                    <a:lumOff val="25000"/>
+                  </a:schemeClr>
+                </a:solidFill>
+                <a:latin typeface="+mn-lt"/>
+                <a:ea typeface="+mn-ea"/>
+                <a:cs typeface="+mn-cs"/>
+              </a:defRPr>
+            </a:lvl7pPr>
+            <a:lvl8pPr marL="3429000" indent="-228600" algn="l" defTabSz="457200" rtl="0" eaLnBrk="1" latinLnBrk="0" hangingPunct="1">
+              <a:spcBef>
+                <a:spcPts val="1000"/>
+              </a:spcBef>
+              <a:spcAft>
+                <a:spcPts val="0"/>
+              </a:spcAft>
+              <a:buClr>
+                <a:schemeClr val="accent1"/>
+              </a:buClr>
+              <a:buSzPct val="80000"/>
+              <a:buFont typeface="Wingdings 3" charset="2"/>
+              <a:buChar char=""/>
+              <a:defRPr sz="1200" kern="1200">
+                <a:solidFill>
+                  <a:schemeClr val="tx1">
+                    <a:lumMod val="75000"/>
+                    <a:lumOff val="25000"/>
+                  </a:schemeClr>
+                </a:solidFill>
+                <a:latin typeface="+mn-lt"/>
+                <a:ea typeface="+mn-ea"/>
+                <a:cs typeface="+mn-cs"/>
+              </a:defRPr>
+            </a:lvl8pPr>
+            <a:lvl9pPr marL="3886200" indent="-228600" algn="l" defTabSz="457200" rtl="0" eaLnBrk="1" latinLnBrk="0" hangingPunct="1">
+              <a:spcBef>
+                <a:spcPts val="1000"/>
+              </a:spcBef>
+              <a:spcAft>
+                <a:spcPts val="0"/>
+              </a:spcAft>
+              <a:buClr>
+                <a:schemeClr val="accent1"/>
+              </a:buClr>
+              <a:buSzPct val="80000"/>
+              <a:buFont typeface="Wingdings 3" charset="2"/>
+              <a:buChar char=""/>
+              <a:defRPr sz="1200" kern="1200">
+                <a:solidFill>
+                  <a:schemeClr val="tx1">
+                    <a:lumMod val="75000"/>
+                    <a:lumOff val="25000"/>
+                  </a:schemeClr>
+                </a:solidFill>
+                <a:latin typeface="+mn-lt"/>
+                <a:ea typeface="+mn-ea"/>
+                <a:cs typeface="+mn-cs"/>
+              </a:defRPr>
+            </a:lvl9pPr>
+          </a:lstStyle>
+          <a:p>
+            <a:r>
+              <a:rPr lang="en-US" dirty="0" smtClean="0"/>
+              <a:t>Example of generated Music</a:t>
+            </a:r>
+          </a:p>
+          <a:p>
+            <a:endParaRPr lang="en-US" dirty="0" smtClean="0"/>
+          </a:p>
+        </p:txBody>
+      </p:sp>
     </p:spTree>
     <p:extLst>
       <p:ext uri="{BB962C8B-B14F-4D97-AF65-F5344CB8AC3E}">
@@ -10543,6 +11138,160 @@
                 </p:cTn>
                 <p:tgtEl>
                   <p:spTgt spid="6"/>
+                </p:tgtEl>
+              </p:cMediaNode>
+            </p:audio>
+            <p:seq concurrent="1" nextAc="seek">
+              <p:cTn id="8" restart="whenNotActive" fill="hold" evtFilter="cancelBubble" nodeType="interactiveSeq">
+                <p:stCondLst>
+                  <p:cond evt="onClick" delay="0">
+                    <p:tgtEl>
+                      <p:spTgt spid="3"/>
+                    </p:tgtEl>
+                  </p:cond>
+                </p:stCondLst>
+                <p:endSync evt="end" delay="0">
+                  <p:rtn val="all"/>
+                </p:endSync>
+                <p:childTnLst>
+                  <p:par>
+                    <p:cTn id="9" fill="hold">
+                      <p:stCondLst>
+                        <p:cond delay="0"/>
+                      </p:stCondLst>
+                      <p:childTnLst>
+                        <p:par>
+                          <p:cTn id="10" fill="hold">
+                            <p:stCondLst>
+                              <p:cond delay="0"/>
+                            </p:stCondLst>
+                            <p:childTnLst>
+                              <p:par>
+                                <p:cTn id="11" presetID="1" presetClass="mediacall" presetSubtype="0" fill="hold" nodeType="clickEffect">
+                                  <p:stCondLst>
+                                    <p:cond delay="0"/>
+                                  </p:stCondLst>
+                                  <p:childTnLst>
+                                    <p:cmd type="call" cmd="playFrom(0.0)">
+                                      <p:cBhvr>
+                                        <p:cTn id="12" dur="14000" fill="hold"/>
+                                        <p:tgtEl>
+                                          <p:spTgt spid="3"/>
+                                        </p:tgtEl>
+                                      </p:cBhvr>
+                                    </p:cmd>
+                                  </p:childTnLst>
+                                </p:cTn>
+                              </p:par>
+                            </p:childTnLst>
+                          </p:cTn>
+                        </p:par>
+                      </p:childTnLst>
+                    </p:cTn>
+                  </p:par>
+                </p:childTnLst>
+              </p:cTn>
+              <p:nextCondLst>
+                <p:cond evt="onClick" delay="0">
+                  <p:tgtEl>
+                    <p:spTgt spid="3"/>
+                  </p:tgtEl>
+                </p:cond>
+              </p:nextCondLst>
+            </p:seq>
+            <p:audio>
+              <p:cMediaNode vol="46970">
+                <p:cTn id="13" fill="hold" display="0">
+                  <p:stCondLst>
+                    <p:cond delay="indefinite"/>
+                  </p:stCondLst>
+                  <p:endCondLst>
+                    <p:cond evt="onStopAudio" delay="0">
+                      <p:tgtEl>
+                        <p:sldTgt/>
+                      </p:tgtEl>
+                    </p:cond>
+                  </p:endCondLst>
+                </p:cTn>
+                <p:tgtEl>
+                  <p:spTgt spid="3"/>
+                </p:tgtEl>
+              </p:cMediaNode>
+            </p:audio>
+            <p:seq concurrent="1" nextAc="seek">
+              <p:cTn id="14" restart="whenNotActive" fill="hold" evtFilter="cancelBubble" nodeType="interactiveSeq">
+                <p:stCondLst>
+                  <p:cond evt="onClick" delay="0">
+                    <p:tgtEl>
+                      <p:spTgt spid="7"/>
+                    </p:tgtEl>
+                  </p:cond>
+                </p:stCondLst>
+                <p:endSync evt="end" delay="0">
+                  <p:rtn val="all"/>
+                </p:endSync>
+                <p:childTnLst>
+                  <p:par>
+                    <p:cTn id="15" fill="hold">
+                      <p:stCondLst>
+                        <p:cond delay="0"/>
+                      </p:stCondLst>
+                      <p:childTnLst>
+                        <p:par>
+                          <p:cTn id="16" fill="hold">
+                            <p:stCondLst>
+                              <p:cond delay="0"/>
+                            </p:stCondLst>
+                            <p:childTnLst>
+                              <p:par>
+                                <p:cTn id="17" presetID="1" presetClass="mediacall" presetSubtype="0" fill="hold" nodeType="clickEffect">
+                                  <p:stCondLst>
+                                    <p:cond delay="0"/>
+                                  </p:stCondLst>
+                                  <p:childTnLst>
+                                    <p:cmd type="call" cmd="playFrom(0.0)">
+                                      <p:cBhvr>
+                                        <p:cTn id="18" dur="166000" fill="hold"/>
+                                        <p:tgtEl>
+                                          <p:spTgt spid="7"/>
+                                        </p:tgtEl>
+                                      </p:cBhvr>
+                                    </p:cmd>
+                                  </p:childTnLst>
+                                </p:cTn>
+                              </p:par>
+                            </p:childTnLst>
+                          </p:cTn>
+                        </p:par>
+                      </p:childTnLst>
+                    </p:cTn>
+                  </p:par>
+                </p:childTnLst>
+              </p:cTn>
+              <p:nextCondLst>
+                <p:cond evt="onClick" delay="0">
+                  <p:tgtEl>
+                    <p:spTgt spid="7"/>
+                  </p:tgtEl>
+                </p:cond>
+              </p:nextCondLst>
+            </p:seq>
+            <p:audio>
+              <p:cMediaNode vol="80000">
+                <p:cTn id="19" fill="hold" display="0">
+                  <p:stCondLst>
+                    <p:cond delay="indefinite"/>
+                  </p:stCondLst>
+                  <p:endCondLst>
+                    <p:cond evt="onStopAudio" delay="0">
+                      <p:tgtEl>
+                        <p:sldTgt/>
+                      </p:tgtEl>
+                    </p:cond>
+                  </p:endCondLst>
+                </p:cTn>
+                <p:tgtEl>
+                  <p:spTgt spid="7"/>
                 </p:tgtEl>
               </p:cMediaNode>
             </p:audio>
